--- a/넣을 문서들/프레젠테이션1.pptx
+++ b/넣을 문서들/프레젠테이션1.pptx
@@ -104,6 +104,11 @@
       </a:defRPr>
     </a:lvl9pPr>
   </p:defaultTextStyle>
+  <p:extLst>
+    <p:ext uri="{EFAFB233-063F-42B5-8137-9DF3F51BA10A}">
+      <p15:sldGuideLst xmlns:p15="http://schemas.microsoft.com/office/powerpoint/2012/main"/>
+    </p:ext>
+  </p:extLst>
 </p:presentation>
 </file>
 
@@ -254,7 +259,7 @@
           <a:p>
             <a:fld id="{761809AF-1225-4010-8D47-FF2313657724}" type="datetimeFigureOut">
               <a:rPr lang="ko-KR" altLang="en-US" smtClean="0"/>
-              <a:t>2023-08-24</a:t>
+              <a:t>2023-09-17</a:t>
             </a:fld>
             <a:endParaRPr lang="ko-KR" altLang="en-US"/>
           </a:p>
@@ -452,7 +457,7 @@
           <a:p>
             <a:fld id="{761809AF-1225-4010-8D47-FF2313657724}" type="datetimeFigureOut">
               <a:rPr lang="ko-KR" altLang="en-US" smtClean="0"/>
-              <a:t>2023-08-24</a:t>
+              <a:t>2023-09-17</a:t>
             </a:fld>
             <a:endParaRPr lang="ko-KR" altLang="en-US"/>
           </a:p>
@@ -660,7 +665,7 @@
           <a:p>
             <a:fld id="{761809AF-1225-4010-8D47-FF2313657724}" type="datetimeFigureOut">
               <a:rPr lang="ko-KR" altLang="en-US" smtClean="0"/>
-              <a:t>2023-08-24</a:t>
+              <a:t>2023-09-17</a:t>
             </a:fld>
             <a:endParaRPr lang="ko-KR" altLang="en-US"/>
           </a:p>
@@ -858,7 +863,7 @@
           <a:p>
             <a:fld id="{761809AF-1225-4010-8D47-FF2313657724}" type="datetimeFigureOut">
               <a:rPr lang="ko-KR" altLang="en-US" smtClean="0"/>
-              <a:t>2023-08-24</a:t>
+              <a:t>2023-09-17</a:t>
             </a:fld>
             <a:endParaRPr lang="ko-KR" altLang="en-US"/>
           </a:p>
@@ -1133,7 +1138,7 @@
           <a:p>
             <a:fld id="{761809AF-1225-4010-8D47-FF2313657724}" type="datetimeFigureOut">
               <a:rPr lang="ko-KR" altLang="en-US" smtClean="0"/>
-              <a:t>2023-08-24</a:t>
+              <a:t>2023-09-17</a:t>
             </a:fld>
             <a:endParaRPr lang="ko-KR" altLang="en-US"/>
           </a:p>
@@ -1398,7 +1403,7 @@
           <a:p>
             <a:fld id="{761809AF-1225-4010-8D47-FF2313657724}" type="datetimeFigureOut">
               <a:rPr lang="ko-KR" altLang="en-US" smtClean="0"/>
-              <a:t>2023-08-24</a:t>
+              <a:t>2023-09-17</a:t>
             </a:fld>
             <a:endParaRPr lang="ko-KR" altLang="en-US"/>
           </a:p>
@@ -1810,7 +1815,7 @@
           <a:p>
             <a:fld id="{761809AF-1225-4010-8D47-FF2313657724}" type="datetimeFigureOut">
               <a:rPr lang="ko-KR" altLang="en-US" smtClean="0"/>
-              <a:t>2023-08-24</a:t>
+              <a:t>2023-09-17</a:t>
             </a:fld>
             <a:endParaRPr lang="ko-KR" altLang="en-US"/>
           </a:p>
@@ -1951,7 +1956,7 @@
           <a:p>
             <a:fld id="{761809AF-1225-4010-8D47-FF2313657724}" type="datetimeFigureOut">
               <a:rPr lang="ko-KR" altLang="en-US" smtClean="0"/>
-              <a:t>2023-08-24</a:t>
+              <a:t>2023-09-17</a:t>
             </a:fld>
             <a:endParaRPr lang="ko-KR" altLang="en-US"/>
           </a:p>
@@ -2064,7 +2069,7 @@
           <a:p>
             <a:fld id="{761809AF-1225-4010-8D47-FF2313657724}" type="datetimeFigureOut">
               <a:rPr lang="ko-KR" altLang="en-US" smtClean="0"/>
-              <a:t>2023-08-24</a:t>
+              <a:t>2023-09-17</a:t>
             </a:fld>
             <a:endParaRPr lang="ko-KR" altLang="en-US"/>
           </a:p>
@@ -2375,7 +2380,7 @@
           <a:p>
             <a:fld id="{761809AF-1225-4010-8D47-FF2313657724}" type="datetimeFigureOut">
               <a:rPr lang="ko-KR" altLang="en-US" smtClean="0"/>
-              <a:t>2023-08-24</a:t>
+              <a:t>2023-09-17</a:t>
             </a:fld>
             <a:endParaRPr lang="ko-KR" altLang="en-US"/>
           </a:p>
@@ -2663,7 +2668,7 @@
           <a:p>
             <a:fld id="{761809AF-1225-4010-8D47-FF2313657724}" type="datetimeFigureOut">
               <a:rPr lang="ko-KR" altLang="en-US" smtClean="0"/>
-              <a:t>2023-08-24</a:t>
+              <a:t>2023-09-17</a:t>
             </a:fld>
             <a:endParaRPr lang="ko-KR" altLang="en-US"/>
           </a:p>
@@ -2904,7 +2909,7 @@
           <a:p>
             <a:fld id="{761809AF-1225-4010-8D47-FF2313657724}" type="datetimeFigureOut">
               <a:rPr lang="ko-KR" altLang="en-US" smtClean="0"/>
-              <a:t>2023-08-24</a:t>
+              <a:t>2023-09-17</a:t>
             </a:fld>
             <a:endParaRPr lang="ko-KR" altLang="en-US"/>
           </a:p>
@@ -3342,35 +3347,102 @@
           <a:bodyPr/>
           <a:lstStyle/>
           <a:p>
+            <a:r>
+              <a:rPr lang="ko-KR" altLang="en-US" dirty="0" err="1"/>
+              <a:t>ㄴㅁㄹㄶ</a:t>
+            </a:r>
+            <a:endParaRPr lang="ko-KR" altLang="en-US" dirty="0"/>
+          </a:p>
+        </p:txBody>
+      </p:sp>
+      <p:sp>
+        <p:nvSpPr>
+          <p:cNvPr id="3" name="부제목 2">
+            <a:extLst>
+              <a:ext uri="{FF2B5EF4-FFF2-40B4-BE49-F238E27FC236}">
+                <a16:creationId xmlns:a16="http://schemas.microsoft.com/office/drawing/2014/main" id="{2C66DD55-8A80-7670-09C2-E637E0A63FC3}"/>
+              </a:ext>
+            </a:extLst>
+          </p:cNvPr>
+          <p:cNvSpPr>
+            <a:spLocks noGrp="1"/>
+          </p:cNvSpPr>
+          <p:nvPr>
+            <p:ph type="subTitle" idx="1"/>
+          </p:nvPr>
+        </p:nvSpPr>
+        <p:spPr/>
+        <p:txBody>
+          <a:bodyPr/>
+          <a:lstStyle/>
+          <a:p>
             <a:endParaRPr lang="ko-KR" altLang="en-US"/>
           </a:p>
         </p:txBody>
       </p:sp>
-      <p:sp>
-        <p:nvSpPr>
-          <p:cNvPr id="3" name="부제목 2">
-            <a:extLst>
-              <a:ext uri="{FF2B5EF4-FFF2-40B4-BE49-F238E27FC236}">
-                <a16:creationId xmlns:a16="http://schemas.microsoft.com/office/drawing/2014/main" id="{2C66DD55-8A80-7670-09C2-E637E0A63FC3}"/>
-              </a:ext>
-            </a:extLst>
-          </p:cNvPr>
-          <p:cNvSpPr>
-            <a:spLocks noGrp="1"/>
-          </p:cNvSpPr>
-          <p:nvPr>
-            <p:ph type="subTitle" idx="1"/>
-          </p:nvPr>
-        </p:nvSpPr>
-        <p:spPr/>
-        <p:txBody>
-          <a:bodyPr/>
-          <a:lstStyle/>
-          <a:p>
-            <a:endParaRPr lang="ko-KR" altLang="en-US"/>
-          </a:p>
-        </p:txBody>
-      </p:sp>
+      <p:graphicFrame>
+        <p:nvGraphicFramePr>
+          <p:cNvPr id="4" name="개체 3">
+            <a:extLst>
+              <a:ext uri="{FF2B5EF4-FFF2-40B4-BE49-F238E27FC236}">
+                <a16:creationId xmlns:a16="http://schemas.microsoft.com/office/drawing/2014/main" id="{AA64B201-BAB7-47FA-B5CE-2F72FC682176}"/>
+              </a:ext>
+            </a:extLst>
+          </p:cNvPr>
+          <p:cNvGraphicFramePr>
+            <a:graphicFrameLocks noChangeAspect="1"/>
+          </p:cNvGraphicFramePr>
+          <p:nvPr>
+            <p:extLst>
+              <p:ext uri="{D42A27DB-BD31-4B8C-83A1-F6EECF244321}">
+                <p14:modId xmlns:p14="http://schemas.microsoft.com/office/powerpoint/2010/main" val="2219680053"/>
+              </p:ext>
+            </p:extLst>
+          </p:nvPr>
+        </p:nvGraphicFramePr>
+        <p:xfrm>
+          <a:off x="4464627" y="1214437"/>
+          <a:ext cx="914400" cy="771525"/>
+        </p:xfrm>
+        <a:graphic>
+          <a:graphicData uri="http://schemas.openxmlformats.org/presentationml/2006/ole">
+            <mc:AlternateContent xmlns:mc="http://schemas.openxmlformats.org/markup-compatibility/2006">
+              <mc:Choice xmlns:v="urn:schemas-microsoft-com:vml" Requires="v">
+                <p:oleObj spid="_x0000_s1026" name="포장기 셸 개체" showAsIcon="1" r:id="rId3" imgW="914400" imgH="771480" progId="Package">
+                  <p:embed/>
+                </p:oleObj>
+              </mc:Choice>
+              <mc:Fallback>
+                <p:oleObj name="포장기 셸 개체" showAsIcon="1" r:id="rId3" imgW="914400" imgH="771480" progId="Package">
+                  <p:embed/>
+                  <p:pic>
+                    <p:nvPicPr>
+                      <p:cNvPr id="0" name=""/>
+                      <p:cNvPicPr/>
+                      <p:nvPr/>
+                    </p:nvPicPr>
+                    <p:blipFill>
+                      <a:blip r:embed="rId4"/>
+                      <a:stretch>
+                        <a:fillRect/>
+                      </a:stretch>
+                    </p:blipFill>
+                    <p:spPr>
+                      <a:xfrm>
+                        <a:off x="4464627" y="1214437"/>
+                        <a:ext cx="914400" cy="771525"/>
+                      </a:xfrm>
+                      <a:prstGeom prst="rect">
+                        <a:avLst/>
+                      </a:prstGeom>
+                    </p:spPr>
+                  </p:pic>
+                </p:oleObj>
+              </mc:Fallback>
+            </mc:AlternateContent>
+          </a:graphicData>
+        </a:graphic>
+      </p:graphicFrame>
     </p:spTree>
     <p:extLst>
       <p:ext uri="{BB962C8B-B14F-4D97-AF65-F5344CB8AC3E}">
